--- a/毕业设计答辩PPT/工会日常工作管理系统PPT.pptx
+++ b/毕业设计答辩PPT/工会日常工作管理系统PPT.pptx
@@ -5,7 +5,7 @@
     <p:sldMasterId id="2147483660" r:id="rId1"/>
   </p:sldMasterIdLst>
   <p:notesMasterIdLst>
-    <p:notesMasterId r:id="rId11"/>
+    <p:notesMasterId r:id="rId10"/>
   </p:notesMasterIdLst>
   <p:sldIdLst>
     <p:sldId id="257" r:id="rId2"/>
@@ -14,9 +14,8 @@
     <p:sldId id="261" r:id="rId5"/>
     <p:sldId id="263" r:id="rId6"/>
     <p:sldId id="264" r:id="rId7"/>
-    <p:sldId id="265" r:id="rId8"/>
-    <p:sldId id="266" r:id="rId9"/>
-    <p:sldId id="267" r:id="rId10"/>
+    <p:sldId id="266" r:id="rId8"/>
+    <p:sldId id="267" r:id="rId9"/>
   </p:sldIdLst>
   <p:sldSz cx="12192000" cy="6858000"/>
   <p:notesSz cx="6858000" cy="9144000"/>
@@ -209,7 +208,7 @@
           <a:p>
             <a:fld id="{868D6D45-0354-4C00-89AE-E9F55146AC98}" type="datetimeFigureOut">
               <a:rPr lang="zh-CN" altLang="en-US" smtClean="0"/>
-              <a:t>2017/5/3</a:t>
+              <a:t>2017/6/3</a:t>
             </a:fld>
             <a:endParaRPr lang="zh-CN" altLang="en-US"/>
           </a:p>
@@ -1198,7 +1197,7 @@
           <a:p>
             <a:fld id="{0C148D2D-ECFD-413A-9B8C-C5BDC91B7AE8}" type="datetimeFigureOut">
               <a:rPr lang="zh-CN" altLang="en-US" smtClean="0"/>
-              <a:t>2017/5/3</a:t>
+              <a:t>2017/6/3</a:t>
             </a:fld>
             <a:endParaRPr lang="zh-CN" altLang="en-US"/>
           </a:p>
@@ -1449,7 +1448,7 @@
           <a:p>
             <a:fld id="{0C148D2D-ECFD-413A-9B8C-C5BDC91B7AE8}" type="datetimeFigureOut">
               <a:rPr lang="zh-CN" altLang="en-US" smtClean="0"/>
-              <a:t>2017/5/3</a:t>
+              <a:t>2017/6/3</a:t>
             </a:fld>
             <a:endParaRPr lang="zh-CN" altLang="en-US"/>
           </a:p>
@@ -1763,7 +1762,7 @@
           <a:p>
             <a:fld id="{0C148D2D-ECFD-413A-9B8C-C5BDC91B7AE8}" type="datetimeFigureOut">
               <a:rPr lang="zh-CN" altLang="en-US" smtClean="0"/>
-              <a:t>2017/5/3</a:t>
+              <a:t>2017/6/3</a:t>
             </a:fld>
             <a:endParaRPr lang="zh-CN" altLang="en-US"/>
           </a:p>
@@ -2104,7 +2103,7 @@
           <a:p>
             <a:fld id="{0C148D2D-ECFD-413A-9B8C-C5BDC91B7AE8}" type="datetimeFigureOut">
               <a:rPr lang="zh-CN" altLang="en-US" smtClean="0"/>
-              <a:t>2017/5/3</a:t>
+              <a:t>2017/6/3</a:t>
             </a:fld>
             <a:endParaRPr lang="zh-CN" altLang="en-US"/>
           </a:p>
@@ -2418,7 +2417,7 @@
           <a:p>
             <a:fld id="{0C148D2D-ECFD-413A-9B8C-C5BDC91B7AE8}" type="datetimeFigureOut">
               <a:rPr lang="zh-CN" altLang="en-US" smtClean="0"/>
-              <a:t>2017/5/3</a:t>
+              <a:t>2017/6/3</a:t>
             </a:fld>
             <a:endParaRPr lang="zh-CN" altLang="en-US"/>
           </a:p>
@@ -2811,7 +2810,7 @@
           <a:p>
             <a:fld id="{0C148D2D-ECFD-413A-9B8C-C5BDC91B7AE8}" type="datetimeFigureOut">
               <a:rPr lang="zh-CN" altLang="en-US" smtClean="0"/>
-              <a:t>2017/5/3</a:t>
+              <a:t>2017/6/3</a:t>
             </a:fld>
             <a:endParaRPr lang="zh-CN" altLang="en-US"/>
           </a:p>
@@ -2981,7 +2980,7 @@
           <a:p>
             <a:fld id="{0C148D2D-ECFD-413A-9B8C-C5BDC91B7AE8}" type="datetimeFigureOut">
               <a:rPr lang="zh-CN" altLang="en-US" smtClean="0"/>
-              <a:t>2017/5/3</a:t>
+              <a:t>2017/6/3</a:t>
             </a:fld>
             <a:endParaRPr lang="zh-CN" altLang="en-US"/>
           </a:p>
@@ -3161,7 +3160,7 @@
           <a:p>
             <a:fld id="{0C148D2D-ECFD-413A-9B8C-C5BDC91B7AE8}" type="datetimeFigureOut">
               <a:rPr lang="zh-CN" altLang="en-US" smtClean="0"/>
-              <a:t>2017/5/3</a:t>
+              <a:t>2017/6/3</a:t>
             </a:fld>
             <a:endParaRPr lang="zh-CN" altLang="en-US"/>
           </a:p>
@@ -3337,7 +3336,7 @@
           <a:p>
             <a:fld id="{0C148D2D-ECFD-413A-9B8C-C5BDC91B7AE8}" type="datetimeFigureOut">
               <a:rPr lang="zh-CN" altLang="en-US" smtClean="0"/>
-              <a:t>2017/5/3</a:t>
+              <a:t>2017/6/3</a:t>
             </a:fld>
             <a:endParaRPr lang="zh-CN" altLang="en-US"/>
           </a:p>
@@ -3584,7 +3583,7 @@
           <a:p>
             <a:fld id="{0C148D2D-ECFD-413A-9B8C-C5BDC91B7AE8}" type="datetimeFigureOut">
               <a:rPr lang="zh-CN" altLang="en-US" smtClean="0"/>
-              <a:t>2017/5/3</a:t>
+              <a:t>2017/6/3</a:t>
             </a:fld>
             <a:endParaRPr lang="zh-CN" altLang="en-US"/>
           </a:p>
@@ -3816,7 +3815,7 @@
           <a:p>
             <a:fld id="{0C148D2D-ECFD-413A-9B8C-C5BDC91B7AE8}" type="datetimeFigureOut">
               <a:rPr lang="zh-CN" altLang="en-US" smtClean="0"/>
-              <a:t>2017/5/3</a:t>
+              <a:t>2017/6/3</a:t>
             </a:fld>
             <a:endParaRPr lang="zh-CN" altLang="en-US"/>
           </a:p>
@@ -4190,7 +4189,7 @@
           <a:p>
             <a:fld id="{0C148D2D-ECFD-413A-9B8C-C5BDC91B7AE8}" type="datetimeFigureOut">
               <a:rPr lang="zh-CN" altLang="en-US" smtClean="0"/>
-              <a:t>2017/5/3</a:t>
+              <a:t>2017/6/3</a:t>
             </a:fld>
             <a:endParaRPr lang="zh-CN" altLang="en-US"/>
           </a:p>
@@ -4313,7 +4312,7 @@
           <a:p>
             <a:fld id="{0C148D2D-ECFD-413A-9B8C-C5BDC91B7AE8}" type="datetimeFigureOut">
               <a:rPr lang="zh-CN" altLang="en-US" smtClean="0"/>
-              <a:t>2017/5/3</a:t>
+              <a:t>2017/6/3</a:t>
             </a:fld>
             <a:endParaRPr lang="zh-CN" altLang="en-US"/>
           </a:p>
@@ -4408,7 +4407,7 @@
           <a:p>
             <a:fld id="{0C148D2D-ECFD-413A-9B8C-C5BDC91B7AE8}" type="datetimeFigureOut">
               <a:rPr lang="zh-CN" altLang="en-US" smtClean="0"/>
-              <a:t>2017/5/3</a:t>
+              <a:t>2017/6/3</a:t>
             </a:fld>
             <a:endParaRPr lang="zh-CN" altLang="en-US"/>
           </a:p>
@@ -4663,7 +4662,7 @@
           <a:p>
             <a:fld id="{0C148D2D-ECFD-413A-9B8C-C5BDC91B7AE8}" type="datetimeFigureOut">
               <a:rPr lang="zh-CN" altLang="en-US" smtClean="0"/>
-              <a:t>2017/5/3</a:t>
+              <a:t>2017/6/3</a:t>
             </a:fld>
             <a:endParaRPr lang="zh-CN" altLang="en-US"/>
           </a:p>
@@ -4926,7 +4925,7 @@
           <a:p>
             <a:fld id="{0C148D2D-ECFD-413A-9B8C-C5BDC91B7AE8}" type="datetimeFigureOut">
               <a:rPr lang="zh-CN" altLang="en-US" smtClean="0"/>
-              <a:t>2017/5/3</a:t>
+              <a:t>2017/6/3</a:t>
             </a:fld>
             <a:endParaRPr lang="zh-CN" altLang="en-US"/>
           </a:p>
@@ -5669,7 +5668,7 @@
           <a:p>
             <a:fld id="{0C148D2D-ECFD-413A-9B8C-C5BDC91B7AE8}" type="datetimeFigureOut">
               <a:rPr lang="zh-CN" altLang="en-US" smtClean="0"/>
-              <a:t>2017/5/3</a:t>
+              <a:t>2017/6/3</a:t>
             </a:fld>
             <a:endParaRPr lang="zh-CN" altLang="en-US"/>
           </a:p>
@@ -8270,120 +8269,195 @@
   <p:clrMapOvr>
     <a:masterClrMapping/>
   </p:clrMapOvr>
+  <p:timing>
+    <p:tnLst>
+      <p:par>
+        <p:cTn id="1" dur="indefinite" restart="never" nodeType="tmRoot">
+          <p:childTnLst>
+            <p:seq concurrent="1" nextAc="seek">
+              <p:cTn id="2" dur="indefinite" nodeType="mainSeq">
+                <p:childTnLst>
+                  <p:par>
+                    <p:cTn id="3" fill="hold">
+                      <p:stCondLst>
+                        <p:cond delay="indefinite"/>
+                      </p:stCondLst>
+                      <p:childTnLst>
+                        <p:par>
+                          <p:cTn id="4" fill="hold">
+                            <p:stCondLst>
+                              <p:cond delay="0"/>
+                            </p:stCondLst>
+                            <p:childTnLst>
+                              <p:par>
+                                <p:cTn id="5" presetID="22" presetClass="entr" presetSubtype="4" fill="hold" nodeType="clickEffect">
+                                  <p:stCondLst>
+                                    <p:cond delay="0"/>
+                                  </p:stCondLst>
+                                  <p:childTnLst>
+                                    <p:set>
+                                      <p:cBhvr>
+                                        <p:cTn id="6" dur="1" fill="hold">
+                                          <p:stCondLst>
+                                            <p:cond delay="0"/>
+                                          </p:stCondLst>
+                                        </p:cTn>
+                                        <p:tgtEl>
+                                          <p:spTgt spid="6"/>
+                                        </p:tgtEl>
+                                        <p:attrNameLst>
+                                          <p:attrName>style.visibility</p:attrName>
+                                        </p:attrNameLst>
+                                      </p:cBhvr>
+                                      <p:to>
+                                        <p:strVal val="visible"/>
+                                      </p:to>
+                                    </p:set>
+                                    <p:animEffect transition="in" filter="wipe(down)">
+                                      <p:cBhvr>
+                                        <p:cTn id="7" dur="500"/>
+                                        <p:tgtEl>
+                                          <p:spTgt spid="6"/>
+                                        </p:tgtEl>
+                                      </p:cBhvr>
+                                    </p:animEffect>
+                                  </p:childTnLst>
+                                </p:cTn>
+                              </p:par>
+                            </p:childTnLst>
+                          </p:cTn>
+                        </p:par>
+                      </p:childTnLst>
+                    </p:cTn>
+                  </p:par>
+                  <p:par>
+                    <p:cTn id="8" fill="hold">
+                      <p:stCondLst>
+                        <p:cond delay="indefinite"/>
+                      </p:stCondLst>
+                      <p:childTnLst>
+                        <p:par>
+                          <p:cTn id="9" fill="hold">
+                            <p:stCondLst>
+                              <p:cond delay="0"/>
+                            </p:stCondLst>
+                            <p:childTnLst>
+                              <p:par>
+                                <p:cTn id="10" presetID="42" presetClass="entr" presetSubtype="0" fill="hold" grpId="0" nodeType="clickEffect">
+                                  <p:stCondLst>
+                                    <p:cond delay="0"/>
+                                  </p:stCondLst>
+                                  <p:childTnLst>
+                                    <p:set>
+                                      <p:cBhvr>
+                                        <p:cTn id="11" dur="1" fill="hold">
+                                          <p:stCondLst>
+                                            <p:cond delay="0"/>
+                                          </p:stCondLst>
+                                        </p:cTn>
+                                        <p:tgtEl>
+                                          <p:spTgt spid="7"/>
+                                        </p:tgtEl>
+                                        <p:attrNameLst>
+                                          <p:attrName>style.visibility</p:attrName>
+                                        </p:attrNameLst>
+                                      </p:cBhvr>
+                                      <p:to>
+                                        <p:strVal val="visible"/>
+                                      </p:to>
+                                    </p:set>
+                                    <p:animEffect transition="in" filter="fade">
+                                      <p:cBhvr>
+                                        <p:cTn id="12" dur="1000"/>
+                                        <p:tgtEl>
+                                          <p:spTgt spid="7"/>
+                                        </p:tgtEl>
+                                      </p:cBhvr>
+                                    </p:animEffect>
+                                    <p:anim calcmode="lin" valueType="num">
+                                      <p:cBhvr>
+                                        <p:cTn id="13" dur="1000" fill="hold"/>
+                                        <p:tgtEl>
+                                          <p:spTgt spid="7"/>
+                                        </p:tgtEl>
+                                        <p:attrNameLst>
+                                          <p:attrName>ppt_x</p:attrName>
+                                        </p:attrNameLst>
+                                      </p:cBhvr>
+                                      <p:tavLst>
+                                        <p:tav tm="0">
+                                          <p:val>
+                                            <p:strVal val="#ppt_x"/>
+                                          </p:val>
+                                        </p:tav>
+                                        <p:tav tm="100000">
+                                          <p:val>
+                                            <p:strVal val="#ppt_x"/>
+                                          </p:val>
+                                        </p:tav>
+                                      </p:tavLst>
+                                    </p:anim>
+                                    <p:anim calcmode="lin" valueType="num">
+                                      <p:cBhvr>
+                                        <p:cTn id="14" dur="1000" fill="hold"/>
+                                        <p:tgtEl>
+                                          <p:spTgt spid="7"/>
+                                        </p:tgtEl>
+                                        <p:attrNameLst>
+                                          <p:attrName>ppt_y</p:attrName>
+                                        </p:attrNameLst>
+                                      </p:cBhvr>
+                                      <p:tavLst>
+                                        <p:tav tm="0">
+                                          <p:val>
+                                            <p:strVal val="#ppt_y+.1"/>
+                                          </p:val>
+                                        </p:tav>
+                                        <p:tav tm="100000">
+                                          <p:val>
+                                            <p:strVal val="#ppt_y"/>
+                                          </p:val>
+                                        </p:tav>
+                                      </p:tavLst>
+                                    </p:anim>
+                                  </p:childTnLst>
+                                </p:cTn>
+                              </p:par>
+                            </p:childTnLst>
+                          </p:cTn>
+                        </p:par>
+                      </p:childTnLst>
+                    </p:cTn>
+                  </p:par>
+                </p:childTnLst>
+              </p:cTn>
+              <p:prevCondLst>
+                <p:cond evt="onPrev" delay="0">
+                  <p:tgtEl>
+                    <p:sldTgt/>
+                  </p:tgtEl>
+                </p:cond>
+              </p:prevCondLst>
+              <p:nextCondLst>
+                <p:cond evt="onNext" delay="0">
+                  <p:tgtEl>
+                    <p:sldTgt/>
+                  </p:tgtEl>
+                </p:cond>
+              </p:nextCondLst>
+            </p:seq>
+          </p:childTnLst>
+        </p:cTn>
+      </p:par>
+    </p:tnLst>
+    <p:bldLst>
+      <p:bldP spid="7" grpId="0" animBg="1"/>
+    </p:bldLst>
+  </p:timing>
 </p:sld>
 </file>
 
 <file path=ppt/slides/slide7.xml><?xml version="1.0" encoding="utf-8"?>
-<p:sld xmlns:a="http://schemas.openxmlformats.org/drawingml/2006/main" xmlns:r="http://schemas.openxmlformats.org/officeDocument/2006/relationships" xmlns:p="http://schemas.openxmlformats.org/presentationml/2006/main">
-  <p:cSld>
-    <p:spTree>
-      <p:nvGrpSpPr>
-        <p:cNvPr id="1" name=""/>
-        <p:cNvGrpSpPr/>
-        <p:nvPr/>
-      </p:nvGrpSpPr>
-      <p:grpSpPr>
-        <a:xfrm>
-          <a:off x="0" y="0"/>
-          <a:ext cx="0" cy="0"/>
-          <a:chOff x="0" y="0"/>
-          <a:chExt cx="0" cy="0"/>
-        </a:xfrm>
-      </p:grpSpPr>
-      <p:sp>
-        <p:nvSpPr>
-          <p:cNvPr id="2" name="标题 1"/>
-          <p:cNvSpPr>
-            <a:spLocks noGrp="1"/>
-          </p:cNvSpPr>
-          <p:nvPr>
-            <p:ph type="title"/>
-          </p:nvPr>
-        </p:nvSpPr>
-        <p:spPr>
-          <a:xfrm>
-            <a:off x="677334" y="609600"/>
-            <a:ext cx="1941175" cy="595745"/>
-          </a:xfrm>
-        </p:spPr>
-        <p:txBody>
-          <a:bodyPr>
-            <a:normAutofit/>
-          </a:bodyPr>
-          <a:lstStyle/>
-          <a:p>
-            <a:r>
-              <a:rPr lang="zh-CN" altLang="en-US" sz="3200" b="1" dirty="0">
-                <a:latin typeface="方正宋刻本秀楷繁体" panose="02000000000000000000" pitchFamily="2" charset="-122"/>
-                <a:ea typeface="方正宋刻本秀楷繁体" panose="02000000000000000000" pitchFamily="2" charset="-122"/>
-                <a:cs typeface="方正苏新诗柳楷简体-yolan" panose="02000000000000000000" pitchFamily="2" charset="-122"/>
-              </a:rPr>
-              <a:t>解决办法：</a:t>
-            </a:r>
-          </a:p>
-        </p:txBody>
-      </p:sp>
-      <p:sp>
-        <p:nvSpPr>
-          <p:cNvPr id="19" name="对话气泡: 椭圆形 18"/>
-          <p:cNvSpPr/>
-          <p:nvPr/>
-        </p:nvSpPr>
-        <p:spPr>
-          <a:xfrm>
-            <a:off x="6234543" y="1205345"/>
-            <a:ext cx="1177639" cy="748146"/>
-          </a:xfrm>
-          <a:prstGeom prst="wedgeEllipseCallout">
-            <a:avLst/>
-          </a:prstGeom>
-          <a:solidFill>
-            <a:srgbClr val="0070C0"/>
-          </a:solidFill>
-        </p:spPr>
-        <p:style>
-          <a:lnRef idx="2">
-            <a:schemeClr val="accent1">
-              <a:shade val="50000"/>
-            </a:schemeClr>
-          </a:lnRef>
-          <a:fillRef idx="1">
-            <a:schemeClr val="accent1"/>
-          </a:fillRef>
-          <a:effectRef idx="0">
-            <a:schemeClr val="accent1"/>
-          </a:effectRef>
-          <a:fontRef idx="minor">
-            <a:schemeClr val="lt1"/>
-          </a:fontRef>
-        </p:style>
-        <p:txBody>
-          <a:bodyPr rtlCol="0" anchor="ctr"/>
-          <a:lstStyle/>
-          <a:p>
-            <a:pPr algn="ctr"/>
-            <a:endParaRPr lang="zh-CN" altLang="en-US" dirty="0">
-              <a:latin typeface="Itim" panose="00000500000000000000" pitchFamily="2" charset="-34"/>
-              <a:ea typeface="方正宋刻本秀楷繁体" panose="02000000000000000000" pitchFamily="2" charset="-122"/>
-              <a:cs typeface="Itim" panose="00000500000000000000" pitchFamily="2" charset="-34"/>
-            </a:endParaRPr>
-          </a:p>
-        </p:txBody>
-      </p:sp>
-    </p:spTree>
-    <p:extLst>
-      <p:ext uri="{BB962C8B-B14F-4D97-AF65-F5344CB8AC3E}">
-        <p14:creationId xmlns:p14="http://schemas.microsoft.com/office/powerpoint/2010/main" val="2580164880"/>
-      </p:ext>
-    </p:extLst>
-  </p:cSld>
-  <p:clrMapOvr>
-    <a:masterClrMapping/>
-  </p:clrMapOvr>
-</p:sld>
-</file>
-
-<file path=ppt/slides/slide8.xml><?xml version="1.0" encoding="utf-8"?>
 <p:sld xmlns:a="http://schemas.openxmlformats.org/drawingml/2006/main" xmlns:r="http://schemas.openxmlformats.org/officeDocument/2006/relationships" xmlns:p="http://schemas.openxmlformats.org/presentationml/2006/main">
   <p:cSld>
     <p:spTree>
@@ -9254,6 +9328,55 @@
           </p:txBody>
         </p:sp>
       </p:grpSp>
+      <p:sp>
+        <p:nvSpPr>
+          <p:cNvPr id="21" name="矩形 20">
+            <a:extLst>
+              <a:ext uri="{FF2B5EF4-FFF2-40B4-BE49-F238E27FC236}">
+                <a16:creationId xmlns:a16="http://schemas.microsoft.com/office/drawing/2014/main" id="{3E9ECC9F-60DF-4B3B-BD01-1D59E8354ED8}"/>
+              </a:ext>
+            </a:extLst>
+          </p:cNvPr>
+          <p:cNvSpPr/>
+          <p:nvPr/>
+        </p:nvSpPr>
+        <p:spPr>
+          <a:xfrm>
+            <a:off x="7532159" y="3505488"/>
+            <a:ext cx="1439862" cy="369888"/>
+          </a:xfrm>
+          <a:prstGeom prst="rect">
+            <a:avLst/>
+          </a:prstGeom>
+        </p:spPr>
+        <p:txBody>
+          <a:bodyPr>
+            <a:spAutoFit/>
+          </a:bodyPr>
+          <a:lstStyle/>
+          <a:p>
+            <a:pPr defTabSz="914400" fontAlgn="base">
+              <a:spcBef>
+                <a:spcPct val="0"/>
+              </a:spcBef>
+              <a:spcAft>
+                <a:spcPct val="0"/>
+              </a:spcAft>
+              <a:defRPr/>
+            </a:pPr>
+            <a:r>
+              <a:rPr lang="zh-CN" altLang="en-US" dirty="0">
+                <a:solidFill>
+                  <a:prstClr val="black"/>
+                </a:solidFill>
+                <a:latin typeface="微软雅黑" panose="020B0503020204020204" pitchFamily="34" charset="-122"/>
+                <a:ea typeface="微软雅黑" panose="020B0503020204020204" pitchFamily="34" charset="-122"/>
+              </a:rPr>
+              <a:t>说明</a:t>
+            </a:r>
+          </a:p>
+        </p:txBody>
+      </p:sp>
     </p:spTree>
     <p:extLst>
       <p:ext uri="{BB962C8B-B14F-4D97-AF65-F5344CB8AC3E}">
@@ -9267,7 +9390,7 @@
 </p:sld>
 </file>
 
-<file path=ppt/slides/slide9.xml><?xml version="1.0" encoding="utf-8"?>
+<file path=ppt/slides/slide8.xml><?xml version="1.0" encoding="utf-8"?>
 <p:sld xmlns:a="http://schemas.openxmlformats.org/drawingml/2006/main" xmlns:r="http://schemas.openxmlformats.org/officeDocument/2006/relationships" xmlns:p="http://schemas.openxmlformats.org/presentationml/2006/main">
   <p:cSld>
     <p:spTree>
